--- a/summary-spring2021.pptx
+++ b/summary-spring2021.pptx
@@ -9,6 +9,9 @@
     <p:sldId id="257" r:id="rId3"/>
     <p:sldId id="258" r:id="rId4"/>
     <p:sldId id="259" r:id="rId5"/>
+    <p:sldId id="260" r:id="rId6"/>
+    <p:sldId id="261" r:id="rId7"/>
+    <p:sldId id="262" r:id="rId8"/>
   </p:sldIdLst>
   <p:sldSz cx="12192000" cy="6858000"/>
   <p:notesSz cx="6858000" cy="9144000"/>
@@ -262,7 +265,7 @@
           <a:p>
             <a:fld id="{CC8B6358-BFB7-4578-A38B-C38A737B95AF}" type="datetimeFigureOut">
               <a:rPr kumimoji="1" lang="ja-JP" altLang="en-US" smtClean="0"/>
-              <a:t>2021/1/29</a:t>
+              <a:t>2021/2/6</a:t>
             </a:fld>
             <a:endParaRPr kumimoji="1" lang="ja-JP" altLang="en-US"/>
           </a:p>
@@ -492,7 +495,7 @@
           <a:p>
             <a:fld id="{CC8B6358-BFB7-4578-A38B-C38A737B95AF}" type="datetimeFigureOut">
               <a:rPr kumimoji="1" lang="ja-JP" altLang="en-US" smtClean="0"/>
-              <a:t>2021/1/29</a:t>
+              <a:t>2021/2/6</a:t>
             </a:fld>
             <a:endParaRPr kumimoji="1" lang="ja-JP" altLang="en-US"/>
           </a:p>
@@ -732,7 +735,7 @@
           <a:p>
             <a:fld id="{CC8B6358-BFB7-4578-A38B-C38A737B95AF}" type="datetimeFigureOut">
               <a:rPr kumimoji="1" lang="ja-JP" altLang="en-US" smtClean="0"/>
-              <a:t>2021/1/29</a:t>
+              <a:t>2021/2/6</a:t>
             </a:fld>
             <a:endParaRPr kumimoji="1" lang="ja-JP" altLang="en-US"/>
           </a:p>
@@ -796,6 +799,305 @@
     <p:extLst>
       <p:ext uri="{BB962C8B-B14F-4D97-AF65-F5344CB8AC3E}">
         <p14:creationId xmlns:p14="http://schemas.microsoft.com/office/powerpoint/2010/main" val="878325550"/>
+      </p:ext>
+    </p:extLst>
+  </p:cSld>
+  <p:clrMapOvr>
+    <a:masterClrMapping/>
+  </p:clrMapOvr>
+</p:sldLayout>
+</file>
+
+<file path=ppt/slideLayouts/slideLayout12.xml><?xml version="1.0" encoding="utf-8"?>
+<p:sldLayout xmlns:a="http://schemas.openxmlformats.org/drawingml/2006/main" xmlns:r="http://schemas.openxmlformats.org/officeDocument/2006/relationships" xmlns:p="http://schemas.openxmlformats.org/presentationml/2006/main" preserve="1" userDrawn="1">
+  <p:cSld name="ユーザー設定レイアウト">
+    <p:spTree>
+      <p:nvGrpSpPr>
+        <p:cNvPr id="1" name=""/>
+        <p:cNvGrpSpPr/>
+        <p:nvPr/>
+      </p:nvGrpSpPr>
+      <p:grpSpPr>
+        <a:xfrm>
+          <a:off x="0" y="0"/>
+          <a:ext cx="0" cy="0"/>
+          <a:chOff x="0" y="0"/>
+          <a:chExt cx="0" cy="0"/>
+        </a:xfrm>
+      </p:grpSpPr>
+      <p:sp>
+        <p:nvSpPr>
+          <p:cNvPr id="2" name="タイトル 1">
+            <a:extLst>
+              <a:ext uri="{FF2B5EF4-FFF2-40B4-BE49-F238E27FC236}">
+                <a16:creationId xmlns:a16="http://schemas.microsoft.com/office/drawing/2014/main" id="{61AFEF85-E715-4E88-853E-4366146E3D41}"/>
+              </a:ext>
+            </a:extLst>
+          </p:cNvPr>
+          <p:cNvSpPr>
+            <a:spLocks noGrp="1"/>
+          </p:cNvSpPr>
+          <p:nvPr>
+            <p:ph type="title"/>
+          </p:nvPr>
+        </p:nvSpPr>
+        <p:spPr>
+          <a:xfrm>
+            <a:off x="838200" y="365125"/>
+            <a:ext cx="10550630" cy="969639"/>
+          </a:xfrm>
+        </p:spPr>
+        <p:txBody>
+          <a:bodyPr>
+            <a:normAutofit/>
+          </a:bodyPr>
+          <a:lstStyle>
+            <a:lvl1pPr>
+              <a:defRPr sz="3600"/>
+            </a:lvl1pPr>
+          </a:lstStyle>
+          <a:p>
+            <a:r>
+              <a:rPr kumimoji="1" lang="ja-JP" altLang="en-US" dirty="0"/>
+              <a:t>マスター タイトルの書式設定</a:t>
+            </a:r>
+          </a:p>
+        </p:txBody>
+      </p:sp>
+      <p:sp>
+        <p:nvSpPr>
+          <p:cNvPr id="3" name="日付プレースホルダー 2">
+            <a:extLst>
+              <a:ext uri="{FF2B5EF4-FFF2-40B4-BE49-F238E27FC236}">
+                <a16:creationId xmlns:a16="http://schemas.microsoft.com/office/drawing/2014/main" id="{C87C7FE5-0696-48B3-BCB0-806F639198C6}"/>
+              </a:ext>
+            </a:extLst>
+          </p:cNvPr>
+          <p:cNvSpPr>
+            <a:spLocks noGrp="1"/>
+          </p:cNvSpPr>
+          <p:nvPr>
+            <p:ph type="dt" sz="half" idx="10"/>
+          </p:nvPr>
+        </p:nvSpPr>
+        <p:spPr/>
+        <p:txBody>
+          <a:bodyPr/>
+          <a:lstStyle/>
+          <a:p>
+            <a:fld id="{CC8B6358-BFB7-4578-A38B-C38A737B95AF}" type="datetimeFigureOut">
+              <a:rPr kumimoji="1" lang="ja-JP" altLang="en-US" smtClean="0"/>
+              <a:t>2021/2/6</a:t>
+            </a:fld>
+            <a:endParaRPr kumimoji="1" lang="ja-JP" altLang="en-US"/>
+          </a:p>
+        </p:txBody>
+      </p:sp>
+      <p:sp>
+        <p:nvSpPr>
+          <p:cNvPr id="4" name="フッター プレースホルダー 3">
+            <a:extLst>
+              <a:ext uri="{FF2B5EF4-FFF2-40B4-BE49-F238E27FC236}">
+                <a16:creationId xmlns:a16="http://schemas.microsoft.com/office/drawing/2014/main" id="{CA24CB8B-F445-4061-868A-25A6758C5074}"/>
+              </a:ext>
+            </a:extLst>
+          </p:cNvPr>
+          <p:cNvSpPr>
+            <a:spLocks noGrp="1"/>
+          </p:cNvSpPr>
+          <p:nvPr>
+            <p:ph type="ftr" sz="quarter" idx="11"/>
+          </p:nvPr>
+        </p:nvSpPr>
+        <p:spPr/>
+        <p:txBody>
+          <a:bodyPr/>
+          <a:lstStyle/>
+          <a:p>
+            <a:endParaRPr kumimoji="1" lang="ja-JP" altLang="en-US"/>
+          </a:p>
+        </p:txBody>
+      </p:sp>
+      <p:sp>
+        <p:nvSpPr>
+          <p:cNvPr id="5" name="スライド番号プレースホルダー 4">
+            <a:extLst>
+              <a:ext uri="{FF2B5EF4-FFF2-40B4-BE49-F238E27FC236}">
+                <a16:creationId xmlns:a16="http://schemas.microsoft.com/office/drawing/2014/main" id="{6176F420-0C40-46F2-846E-0ED971BC5A41}"/>
+              </a:ext>
+            </a:extLst>
+          </p:cNvPr>
+          <p:cNvSpPr>
+            <a:spLocks noGrp="1"/>
+          </p:cNvSpPr>
+          <p:nvPr>
+            <p:ph type="sldNum" sz="quarter" idx="12"/>
+          </p:nvPr>
+        </p:nvSpPr>
+        <p:spPr/>
+        <p:txBody>
+          <a:bodyPr/>
+          <a:lstStyle/>
+          <a:p>
+            <a:fld id="{558AFE63-267A-4020-9552-7C64482268A7}" type="slidenum">
+              <a:rPr kumimoji="1" lang="ja-JP" altLang="en-US" smtClean="0"/>
+              <a:t>‹#›</a:t>
+            </a:fld>
+            <a:endParaRPr kumimoji="1" lang="ja-JP" altLang="en-US"/>
+          </a:p>
+        </p:txBody>
+      </p:sp>
+      <p:sp>
+        <p:nvSpPr>
+          <p:cNvPr id="7" name="コンテンツ プレースホルダー 6">
+            <a:extLst>
+              <a:ext uri="{FF2B5EF4-FFF2-40B4-BE49-F238E27FC236}">
+                <a16:creationId xmlns:a16="http://schemas.microsoft.com/office/drawing/2014/main" id="{07D09C16-66AC-40B7-88BA-C0E32FB3D594}"/>
+              </a:ext>
+            </a:extLst>
+          </p:cNvPr>
+          <p:cNvSpPr>
+            <a:spLocks noGrp="1"/>
+          </p:cNvSpPr>
+          <p:nvPr>
+            <p:ph sz="quarter" idx="13"/>
+          </p:nvPr>
+        </p:nvSpPr>
+        <p:spPr>
+          <a:xfrm>
+            <a:off x="838200" y="2075818"/>
+            <a:ext cx="10515600" cy="4112257"/>
+          </a:xfrm>
+        </p:spPr>
+        <p:txBody>
+          <a:bodyPr/>
+          <a:lstStyle/>
+          <a:p>
+            <a:pPr lvl="0"/>
+            <a:r>
+              <a:rPr kumimoji="1" lang="ja-JP" altLang="en-US"/>
+              <a:t>マスター テキストの書式設定</a:t>
+            </a:r>
+          </a:p>
+          <a:p>
+            <a:pPr lvl="1"/>
+            <a:r>
+              <a:rPr kumimoji="1" lang="ja-JP" altLang="en-US"/>
+              <a:t>第 </a:t>
+            </a:r>
+            <a:r>
+              <a:rPr kumimoji="1" lang="en-US" altLang="ja-JP"/>
+              <a:t>2 </a:t>
+            </a:r>
+            <a:r>
+              <a:rPr kumimoji="1" lang="ja-JP" altLang="en-US"/>
+              <a:t>レベル</a:t>
+            </a:r>
+          </a:p>
+          <a:p>
+            <a:pPr lvl="2"/>
+            <a:r>
+              <a:rPr kumimoji="1" lang="ja-JP" altLang="en-US"/>
+              <a:t>第 </a:t>
+            </a:r>
+            <a:r>
+              <a:rPr kumimoji="1" lang="en-US" altLang="ja-JP"/>
+              <a:t>3 </a:t>
+            </a:r>
+            <a:r>
+              <a:rPr kumimoji="1" lang="ja-JP" altLang="en-US"/>
+              <a:t>レベル</a:t>
+            </a:r>
+          </a:p>
+          <a:p>
+            <a:pPr lvl="3"/>
+            <a:r>
+              <a:rPr kumimoji="1" lang="ja-JP" altLang="en-US"/>
+              <a:t>第 </a:t>
+            </a:r>
+            <a:r>
+              <a:rPr kumimoji="1" lang="en-US" altLang="ja-JP"/>
+              <a:t>4 </a:t>
+            </a:r>
+            <a:r>
+              <a:rPr kumimoji="1" lang="ja-JP" altLang="en-US"/>
+              <a:t>レベル</a:t>
+            </a:r>
+          </a:p>
+          <a:p>
+            <a:pPr lvl="4"/>
+            <a:r>
+              <a:rPr kumimoji="1" lang="ja-JP" altLang="en-US"/>
+              <a:t>第 </a:t>
+            </a:r>
+            <a:r>
+              <a:rPr kumimoji="1" lang="en-US" altLang="ja-JP"/>
+              <a:t>5 </a:t>
+            </a:r>
+            <a:r>
+              <a:rPr kumimoji="1" lang="ja-JP" altLang="en-US"/>
+              <a:t>レベル</a:t>
+            </a:r>
+          </a:p>
+        </p:txBody>
+      </p:sp>
+      <p:sp>
+        <p:nvSpPr>
+          <p:cNvPr id="11" name="テキスト プレースホルダー 10">
+            <a:extLst>
+              <a:ext uri="{FF2B5EF4-FFF2-40B4-BE49-F238E27FC236}">
+                <a16:creationId xmlns:a16="http://schemas.microsoft.com/office/drawing/2014/main" id="{3EBACDBB-9E00-4E96-8C1A-C3E4589B5036}"/>
+              </a:ext>
+            </a:extLst>
+          </p:cNvPr>
+          <p:cNvSpPr>
+            <a:spLocks noGrp="1"/>
+          </p:cNvSpPr>
+          <p:nvPr>
+            <p:ph type="body" sz="quarter" idx="14"/>
+          </p:nvPr>
+        </p:nvSpPr>
+        <p:spPr>
+          <a:xfrm>
+            <a:off x="838200" y="1503039"/>
+            <a:ext cx="4852987" cy="450850"/>
+          </a:xfrm>
+        </p:spPr>
+        <p:txBody>
+          <a:bodyPr>
+            <a:noAutofit/>
+          </a:bodyPr>
+          <a:lstStyle>
+            <a:lvl1pPr marL="0" indent="0" algn="l">
+              <a:buNone/>
+              <a:defRPr sz="1800" i="1"/>
+            </a:lvl1pPr>
+            <a:lvl2pPr algn="r">
+              <a:defRPr sz="1600"/>
+            </a:lvl2pPr>
+            <a:lvl3pPr algn="r">
+              <a:defRPr sz="1400"/>
+            </a:lvl3pPr>
+            <a:lvl4pPr algn="r">
+              <a:defRPr sz="1200"/>
+            </a:lvl4pPr>
+            <a:lvl5pPr algn="r">
+              <a:defRPr sz="1200"/>
+            </a:lvl5pPr>
+          </a:lstStyle>
+          <a:p>
+            <a:pPr lvl="0"/>
+            <a:r>
+              <a:rPr kumimoji="1" lang="ja-JP" altLang="en-US" dirty="0"/>
+              <a:t>マスター テキストの書式設定</a:t>
+            </a:r>
+          </a:p>
+        </p:txBody>
+      </p:sp>
+    </p:spTree>
+    <p:extLst>
+      <p:ext uri="{BB962C8B-B14F-4D97-AF65-F5344CB8AC3E}">
+        <p14:creationId xmlns:p14="http://schemas.microsoft.com/office/powerpoint/2010/main" val="1453465701"/>
       </p:ext>
     </p:extLst>
   </p:cSld>
@@ -962,7 +1264,7 @@
           <a:p>
             <a:fld id="{CC8B6358-BFB7-4578-A38B-C38A737B95AF}" type="datetimeFigureOut">
               <a:rPr kumimoji="1" lang="ja-JP" altLang="en-US" smtClean="0"/>
-              <a:t>2021/1/29</a:t>
+              <a:t>2021/2/6</a:t>
             </a:fld>
             <a:endParaRPr kumimoji="1" lang="ja-JP" altLang="en-US"/>
           </a:p>
@@ -1237,7 +1539,7 @@
           <a:p>
             <a:fld id="{CC8B6358-BFB7-4578-A38B-C38A737B95AF}" type="datetimeFigureOut">
               <a:rPr kumimoji="1" lang="ja-JP" altLang="en-US" smtClean="0"/>
-              <a:t>2021/1/29</a:t>
+              <a:t>2021/2/6</a:t>
             </a:fld>
             <a:endParaRPr kumimoji="1" lang="ja-JP" altLang="en-US"/>
           </a:p>
@@ -1566,7 +1868,7 @@
           <a:p>
             <a:fld id="{CC8B6358-BFB7-4578-A38B-C38A737B95AF}" type="datetimeFigureOut">
               <a:rPr kumimoji="1" lang="ja-JP" altLang="en-US" smtClean="0"/>
-              <a:t>2021/1/29</a:t>
+              <a:t>2021/2/6</a:t>
             </a:fld>
             <a:endParaRPr kumimoji="1" lang="ja-JP" altLang="en-US"/>
           </a:p>
@@ -2042,7 +2344,7 @@
           <a:p>
             <a:fld id="{CC8B6358-BFB7-4578-A38B-C38A737B95AF}" type="datetimeFigureOut">
               <a:rPr kumimoji="1" lang="ja-JP" altLang="en-US" smtClean="0"/>
-              <a:t>2021/1/29</a:t>
+              <a:t>2021/2/6</a:t>
             </a:fld>
             <a:endParaRPr kumimoji="1" lang="ja-JP" altLang="en-US"/>
           </a:p>
@@ -2183,7 +2485,7 @@
           <a:p>
             <a:fld id="{CC8B6358-BFB7-4578-A38B-C38A737B95AF}" type="datetimeFigureOut">
               <a:rPr kumimoji="1" lang="ja-JP" altLang="en-US" smtClean="0"/>
-              <a:t>2021/1/29</a:t>
+              <a:t>2021/2/6</a:t>
             </a:fld>
             <a:endParaRPr kumimoji="1" lang="ja-JP" altLang="en-US"/>
           </a:p>
@@ -2296,7 +2598,7 @@
           <a:p>
             <a:fld id="{CC8B6358-BFB7-4578-A38B-C38A737B95AF}" type="datetimeFigureOut">
               <a:rPr kumimoji="1" lang="ja-JP" altLang="en-US" smtClean="0"/>
-              <a:t>2021/1/29</a:t>
+              <a:t>2021/2/6</a:t>
             </a:fld>
             <a:endParaRPr kumimoji="1" lang="ja-JP" altLang="en-US"/>
           </a:p>
@@ -2639,7 +2941,7 @@
           <a:p>
             <a:fld id="{CC8B6358-BFB7-4578-A38B-C38A737B95AF}" type="datetimeFigureOut">
               <a:rPr kumimoji="1" lang="ja-JP" altLang="en-US" smtClean="0"/>
-              <a:t>2021/1/29</a:t>
+              <a:t>2021/2/6</a:t>
             </a:fld>
             <a:endParaRPr kumimoji="1" lang="ja-JP" altLang="en-US"/>
           </a:p>
@@ -2927,7 +3229,7 @@
           <a:p>
             <a:fld id="{CC8B6358-BFB7-4578-A38B-C38A737B95AF}" type="datetimeFigureOut">
               <a:rPr kumimoji="1" lang="ja-JP" altLang="en-US" smtClean="0"/>
-              <a:t>2021/1/29</a:t>
+              <a:t>2021/2/6</a:t>
             </a:fld>
             <a:endParaRPr kumimoji="1" lang="ja-JP" altLang="en-US"/>
           </a:p>
@@ -3093,67 +3395,67 @@
           <a:p>
             <a:pPr lvl="0"/>
             <a:r>
-              <a:rPr kumimoji="1" lang="ja-JP" altLang="en-US"/>
+              <a:rPr kumimoji="1" lang="ja-JP" altLang="en-US" dirty="0"/>
               <a:t>マスター テキストの書式設定</a:t>
             </a:r>
           </a:p>
           <a:p>
             <a:pPr lvl="1"/>
             <a:r>
-              <a:rPr kumimoji="1" lang="ja-JP" altLang="en-US"/>
+              <a:rPr kumimoji="1" lang="ja-JP" altLang="en-US" dirty="0"/>
               <a:t>第 </a:t>
             </a:r>
             <a:r>
-              <a:rPr kumimoji="1" lang="en-US" altLang="ja-JP"/>
+              <a:rPr kumimoji="1" lang="en-US" altLang="ja-JP" dirty="0"/>
               <a:t>2 </a:t>
             </a:r>
             <a:r>
-              <a:rPr kumimoji="1" lang="ja-JP" altLang="en-US"/>
+              <a:rPr kumimoji="1" lang="ja-JP" altLang="en-US" dirty="0"/>
               <a:t>レベル</a:t>
             </a:r>
           </a:p>
           <a:p>
             <a:pPr lvl="2"/>
             <a:r>
-              <a:rPr kumimoji="1" lang="ja-JP" altLang="en-US"/>
+              <a:rPr kumimoji="1" lang="ja-JP" altLang="en-US" dirty="0"/>
               <a:t>第 </a:t>
             </a:r>
             <a:r>
-              <a:rPr kumimoji="1" lang="en-US" altLang="ja-JP"/>
+              <a:rPr kumimoji="1" lang="en-US" altLang="ja-JP" dirty="0"/>
               <a:t>3 </a:t>
             </a:r>
             <a:r>
-              <a:rPr kumimoji="1" lang="ja-JP" altLang="en-US"/>
+              <a:rPr kumimoji="1" lang="ja-JP" altLang="en-US" dirty="0"/>
               <a:t>レベル</a:t>
             </a:r>
           </a:p>
           <a:p>
             <a:pPr lvl="3"/>
             <a:r>
-              <a:rPr kumimoji="1" lang="ja-JP" altLang="en-US"/>
+              <a:rPr kumimoji="1" lang="ja-JP" altLang="en-US" dirty="0"/>
               <a:t>第 </a:t>
             </a:r>
             <a:r>
-              <a:rPr kumimoji="1" lang="en-US" altLang="ja-JP"/>
+              <a:rPr kumimoji="1" lang="en-US" altLang="ja-JP" dirty="0"/>
               <a:t>4 </a:t>
             </a:r>
             <a:r>
-              <a:rPr kumimoji="1" lang="ja-JP" altLang="en-US"/>
+              <a:rPr kumimoji="1" lang="ja-JP" altLang="en-US" dirty="0"/>
               <a:t>レベル</a:t>
             </a:r>
           </a:p>
           <a:p>
             <a:pPr lvl="4"/>
             <a:r>
-              <a:rPr kumimoji="1" lang="ja-JP" altLang="en-US"/>
+              <a:rPr kumimoji="1" lang="ja-JP" altLang="en-US" dirty="0"/>
               <a:t>第 </a:t>
             </a:r>
             <a:r>
-              <a:rPr kumimoji="1" lang="en-US" altLang="ja-JP"/>
+              <a:rPr kumimoji="1" lang="en-US" altLang="ja-JP" dirty="0"/>
               <a:t>5 </a:t>
             </a:r>
             <a:r>
-              <a:rPr kumimoji="1" lang="ja-JP" altLang="en-US"/>
+              <a:rPr kumimoji="1" lang="ja-JP" altLang="en-US" dirty="0"/>
               <a:t>レベル</a:t>
             </a:r>
           </a:p>
@@ -3200,7 +3502,7 @@
           <a:p>
             <a:fld id="{CC8B6358-BFB7-4578-A38B-C38A737B95AF}" type="datetimeFigureOut">
               <a:rPr kumimoji="1" lang="ja-JP" altLang="en-US" smtClean="0"/>
-              <a:t>2021/1/29</a:t>
+              <a:t>2021/2/6</a:t>
             </a:fld>
             <a:endParaRPr kumimoji="1" lang="ja-JP" altLang="en-US"/>
           </a:p>
@@ -3316,6 +3618,7 @@
     <p:sldLayoutId id="2147483657" r:id="rId9"/>
     <p:sldLayoutId id="2147483658" r:id="rId10"/>
     <p:sldLayoutId id="2147483659" r:id="rId11"/>
+    <p:sldLayoutId id="2147483660" r:id="rId12"/>
   </p:sldLayoutIdLst>
   <p:txStyles>
     <p:titleStyle>
@@ -4925,7 +5228,7 @@
             <a:spLocks noGrp="1"/>
           </p:cNvSpPr>
           <p:nvPr>
-            <p:ph idx="1"/>
+            <p:ph sz="quarter" idx="13"/>
           </p:nvPr>
         </p:nvSpPr>
         <p:spPr/>
@@ -4936,28 +5239,14 @@
           <a:lstStyle/>
           <a:p>
             <a:r>
-              <a:rPr kumimoji="1" lang="en-US" altLang="ja-JP" dirty="0" err="1"/>
-              <a:t>Berniell</a:t>
-            </a:r>
-            <a:r>
-              <a:rPr kumimoji="1" lang="en-US" altLang="ja-JP" dirty="0"/>
-              <a:t> et al. (2021), JDE</a:t>
-            </a:r>
-          </a:p>
-          <a:p>
-            <a:r>
               <a:rPr lang="en-US" altLang="ja-JP" dirty="0"/>
               <a:t>Method: event study</a:t>
             </a:r>
           </a:p>
           <a:p>
             <a:r>
-              <a:rPr lang="en-US" altLang="ja-JP"/>
-              <a:t>Main result</a:t>
-            </a:r>
-            <a:r>
               <a:rPr lang="en-US" altLang="ja-JP" dirty="0"/>
-              <a:t>: </a:t>
+              <a:t>Main result: </a:t>
             </a:r>
           </a:p>
           <a:p>
@@ -4989,27 +5278,46 @@
           </a:p>
           <a:p>
             <a:r>
-              <a:rPr lang="en-US" altLang="ja-JP" dirty="0"/>
+              <a:rPr lang="en-US" altLang="ja-JP" dirty="0">
+                <a:highlight>
+                  <a:srgbClr val="FFFF00"/>
+                </a:highlight>
+              </a:rPr>
               <a:t>Sidetrack</a:t>
             </a:r>
           </a:p>
           <a:p>
             <a:pPr lvl="1"/>
             <a:r>
-              <a:rPr kumimoji="1" lang="en-US" altLang="ja-JP" dirty="0"/>
+              <a:rPr kumimoji="1" lang="en-US" altLang="ja-JP" dirty="0">
+                <a:highlight>
+                  <a:srgbClr val="FFFF00"/>
+                </a:highlight>
+              </a:rPr>
               <a:t>There is a gender difference </a:t>
             </a:r>
             <a:r>
-              <a:rPr lang="en-US" altLang="ja-JP" dirty="0"/>
+              <a:rPr lang="en-US" altLang="ja-JP" dirty="0">
+                <a:highlight>
+                  <a:srgbClr val="FFFF00"/>
+                </a:highlight>
+              </a:rPr>
               <a:t>in access to pension and having a written contract. </a:t>
             </a:r>
             <a:r>
               <a:rPr lang="en-US" altLang="ja-JP" dirty="0">
+                <a:highlight>
+                  <a:srgbClr val="FFFF00"/>
+                </a:highlight>
                 <a:sym typeface="Wingdings" panose="05000000000000000000" pitchFamily="2" charset="2"/>
               </a:rPr>
               <a:t> we can also define gender gap among low-skilled labor in this way.</a:t>
             </a:r>
-            <a:endParaRPr lang="en-US" altLang="ja-JP" dirty="0"/>
+            <a:endParaRPr lang="en-US" altLang="ja-JP" dirty="0">
+              <a:highlight>
+                <a:srgbClr val="FFFF00"/>
+              </a:highlight>
+            </a:endParaRPr>
           </a:p>
           <a:p>
             <a:pPr lvl="1"/>
@@ -5027,6 +5335,44 @@
           </a:p>
           <a:p>
             <a:endParaRPr kumimoji="1" lang="ja-JP" altLang="en-US" dirty="0"/>
+          </a:p>
+        </p:txBody>
+      </p:sp>
+      <p:sp>
+        <p:nvSpPr>
+          <p:cNvPr id="4" name="テキスト プレースホルダー 3">
+            <a:extLst>
+              <a:ext uri="{FF2B5EF4-FFF2-40B4-BE49-F238E27FC236}">
+                <a16:creationId xmlns:a16="http://schemas.microsoft.com/office/drawing/2014/main" id="{082A68BE-708E-48DE-868F-AB91A70965C9}"/>
+              </a:ext>
+            </a:extLst>
+          </p:cNvPr>
+          <p:cNvSpPr>
+            <a:spLocks noGrp="1"/>
+          </p:cNvSpPr>
+          <p:nvPr>
+            <p:ph type="body" sz="quarter" idx="14"/>
+          </p:nvPr>
+        </p:nvSpPr>
+        <p:spPr/>
+        <p:txBody>
+          <a:bodyPr/>
+          <a:lstStyle/>
+          <a:p>
+            <a:pPr marL="0" indent="0">
+              <a:buNone/>
+            </a:pPr>
+            <a:r>
+              <a:rPr kumimoji="1" lang="en-US" altLang="ja-JP" dirty="0" err="1"/>
+              <a:t>Berniell</a:t>
+            </a:r>
+            <a:r>
+              <a:rPr kumimoji="1" lang="en-US" altLang="ja-JP" dirty="0"/>
+              <a:t> et al. (2021), JDE</a:t>
+            </a:r>
+          </a:p>
+          <a:p>
+            <a:endParaRPr lang="ja-JP" altLang="en-US" dirty="0"/>
           </a:p>
         </p:txBody>
       </p:sp>
@@ -5104,94 +5450,122 @@
             <a:spLocks noGrp="1"/>
           </p:cNvSpPr>
           <p:nvPr>
-            <p:ph idx="1"/>
+            <p:ph sz="quarter" idx="13"/>
           </p:nvPr>
         </p:nvSpPr>
         <p:spPr/>
         <p:txBody>
           <a:bodyPr>
-            <a:normAutofit fontScale="92500" lnSpcReduction="20000"/>
+            <a:normAutofit fontScale="92500" lnSpcReduction="10000"/>
           </a:bodyPr>
           <a:lstStyle/>
           <a:p>
+            <a:r>
+              <a:rPr kumimoji="1" lang="en-US" altLang="ja-JP" dirty="0"/>
+              <a:t>Data: original data collected at the border of three Indian states</a:t>
+            </a:r>
+          </a:p>
+          <a:p>
+            <a:r>
+              <a:rPr lang="en-US" altLang="ja-JP" dirty="0"/>
+              <a:t>Method: reduced form + structural estimation</a:t>
+            </a:r>
+          </a:p>
+          <a:p>
+            <a:pPr lvl="1"/>
+            <a:r>
+              <a:rPr lang="en-US" altLang="ja-JP" dirty="0"/>
+              <a:t>Workers choose between work in the village which pays less and work in the city which pays more.</a:t>
+            </a:r>
+          </a:p>
+          <a:p>
+            <a:pPr lvl="1"/>
+            <a:r>
+              <a:rPr lang="en-US" altLang="ja-JP" dirty="0"/>
+              <a:t>The structural model includes travel cost and living cost of destination.</a:t>
+            </a:r>
+          </a:p>
+          <a:p>
+            <a:r>
+              <a:rPr kumimoji="1" lang="en-US" altLang="ja-JP" dirty="0"/>
+              <a:t>Results</a:t>
+            </a:r>
+          </a:p>
+          <a:p>
+            <a:pPr lvl="1"/>
+            <a:r>
+              <a:rPr kumimoji="1" lang="en-US" altLang="ja-JP" dirty="0"/>
+              <a:t>Although </a:t>
+            </a:r>
+            <a:r>
+              <a:rPr lang="en-US" altLang="ja-JP" dirty="0"/>
+              <a:t>the same worker can earn 35% more when works in the city, they prefer to stay back.</a:t>
+            </a:r>
+          </a:p>
+          <a:p>
+            <a:pPr lvl="1"/>
+            <a:r>
+              <a:rPr kumimoji="1" lang="en-US" altLang="ja-JP" dirty="0"/>
+              <a:t>Travel cost is small.</a:t>
+            </a:r>
+          </a:p>
+          <a:p>
+            <a:pPr lvl="1"/>
+            <a:r>
+              <a:rPr lang="en-US" altLang="ja-JP" dirty="0"/>
+              <a:t>Living cost at destination can explain little migrant’s decision to stay in the village.</a:t>
+            </a:r>
+          </a:p>
+          <a:p>
+            <a:pPr lvl="1"/>
+            <a:r>
+              <a:rPr kumimoji="1" lang="en-US" altLang="ja-JP" dirty="0"/>
+              <a:t>The result suggests migrants prefer to stay close to home (“home bias”)</a:t>
+            </a:r>
+          </a:p>
+          <a:p>
+            <a:pPr lvl="1"/>
+            <a:endParaRPr lang="en-US" altLang="ja-JP" dirty="0"/>
+          </a:p>
+          <a:p>
+            <a:endParaRPr kumimoji="1" lang="en-US" altLang="ja-JP" dirty="0"/>
+          </a:p>
+          <a:p>
+            <a:endParaRPr kumimoji="1" lang="ja-JP" altLang="en-US" dirty="0"/>
+          </a:p>
+        </p:txBody>
+      </p:sp>
+      <p:sp>
+        <p:nvSpPr>
+          <p:cNvPr id="4" name="テキスト プレースホルダー 3">
+            <a:extLst>
+              <a:ext uri="{FF2B5EF4-FFF2-40B4-BE49-F238E27FC236}">
+                <a16:creationId xmlns:a16="http://schemas.microsoft.com/office/drawing/2014/main" id="{0F54A3A5-BCD1-482A-A407-1016096D50B4}"/>
+              </a:ext>
+            </a:extLst>
+          </p:cNvPr>
+          <p:cNvSpPr>
+            <a:spLocks noGrp="1"/>
+          </p:cNvSpPr>
+          <p:nvPr>
+            <p:ph type="body" sz="quarter" idx="14"/>
+          </p:nvPr>
+        </p:nvSpPr>
+        <p:spPr/>
+        <p:txBody>
+          <a:bodyPr/>
+          <a:lstStyle/>
+          <a:p>
+            <a:pPr marL="0" indent="0">
+              <a:buNone/>
+            </a:pPr>
             <a:r>
               <a:rPr kumimoji="1" lang="en-US" altLang="ja-JP" dirty="0"/>
               <a:t>Imbert &amp; Papp (2020), JDE</a:t>
             </a:r>
           </a:p>
           <a:p>
-            <a:r>
-              <a:rPr kumimoji="1" lang="en-US" altLang="ja-JP" dirty="0"/>
-              <a:t>Data: original data collected at the border of three Indian states</a:t>
-            </a:r>
-          </a:p>
-          <a:p>
-            <a:r>
-              <a:rPr lang="en-US" altLang="ja-JP" dirty="0"/>
-              <a:t>Method: reduced form + structural estimation</a:t>
-            </a:r>
-          </a:p>
-          <a:p>
-            <a:pPr lvl="1"/>
-            <a:r>
-              <a:rPr lang="en-US" altLang="ja-JP" dirty="0"/>
-              <a:t>Workers choose between work in the village which pays less and work in the city which pays more.</a:t>
-            </a:r>
-          </a:p>
-          <a:p>
-            <a:pPr lvl="1"/>
-            <a:r>
-              <a:rPr lang="en-US" altLang="ja-JP" dirty="0"/>
-              <a:t>The structural model includes travel cost and living cost of destination.</a:t>
-            </a:r>
-          </a:p>
-          <a:p>
-            <a:r>
-              <a:rPr kumimoji="1" lang="en-US" altLang="ja-JP" dirty="0"/>
-              <a:t>Results</a:t>
-            </a:r>
-          </a:p>
-          <a:p>
-            <a:pPr lvl="1"/>
-            <a:r>
-              <a:rPr kumimoji="1" lang="en-US" altLang="ja-JP" dirty="0"/>
-              <a:t>Although </a:t>
-            </a:r>
-            <a:r>
-              <a:rPr lang="en-US" altLang="ja-JP" dirty="0"/>
-              <a:t>the same worker can earn 35% more when works in the city, they prefer to stay back.</a:t>
-            </a:r>
-          </a:p>
-          <a:p>
-            <a:pPr lvl="1"/>
-            <a:r>
-              <a:rPr kumimoji="1" lang="en-US" altLang="ja-JP" dirty="0"/>
-              <a:t>Travel cost is small.</a:t>
-            </a:r>
-          </a:p>
-          <a:p>
-            <a:pPr lvl="1"/>
-            <a:r>
-              <a:rPr lang="en-US" altLang="ja-JP" dirty="0"/>
-              <a:t>Living cost at destination can explain little migrant’s decision to stay in the village.</a:t>
-            </a:r>
-          </a:p>
-          <a:p>
-            <a:pPr lvl="1"/>
-            <a:r>
-              <a:rPr kumimoji="1" lang="en-US" altLang="ja-JP" dirty="0"/>
-              <a:t>The result suggests migrants prefer to stay close to home (“home bias”)</a:t>
-            </a:r>
-          </a:p>
-          <a:p>
-            <a:pPr lvl="1"/>
-            <a:endParaRPr lang="en-US" altLang="ja-JP" dirty="0"/>
-          </a:p>
-          <a:p>
-            <a:endParaRPr kumimoji="1" lang="en-US" altLang="ja-JP" dirty="0"/>
-          </a:p>
-          <a:p>
-            <a:endParaRPr kumimoji="1" lang="ja-JP" altLang="en-US" dirty="0"/>
+            <a:endParaRPr lang="ja-JP" altLang="en-US" dirty="0"/>
           </a:p>
         </p:txBody>
       </p:sp>
@@ -5269,7 +5643,7 @@
             <a:spLocks noGrp="1"/>
           </p:cNvSpPr>
           <p:nvPr>
-            <p:ph idx="1"/>
+            <p:ph sz="quarter" idx="13"/>
           </p:nvPr>
         </p:nvSpPr>
         <p:spPr/>
@@ -5280,6 +5654,96 @@
           <a:lstStyle/>
           <a:p>
             <a:r>
+              <a:rPr kumimoji="1" lang="en-US" altLang="ja-JP" dirty="0"/>
+              <a:t>This </a:t>
+            </a:r>
+            <a:r>
+              <a:rPr lang="en-US" altLang="ja-JP" dirty="0"/>
+              <a:t>paper studies impact of Syrian refugees on Turkish firms.</a:t>
+            </a:r>
+          </a:p>
+          <a:p>
+            <a:r>
+              <a:rPr kumimoji="1" lang="en-US" altLang="ja-JP" dirty="0"/>
+              <a:t>Method: IV-DID (Arabic-speaking population)</a:t>
+            </a:r>
+          </a:p>
+          <a:p>
+            <a:r>
+              <a:rPr lang="en-US" altLang="ja-JP" dirty="0"/>
+              <a:t>Results</a:t>
+            </a:r>
+          </a:p>
+          <a:p>
+            <a:pPr lvl="1"/>
+            <a:r>
+              <a:rPr kumimoji="1" lang="en-US" altLang="ja-JP" dirty="0"/>
+              <a:t>Refugees increase firm’s power consumption.</a:t>
+            </a:r>
+          </a:p>
+          <a:p>
+            <a:pPr lvl="1"/>
+            <a:r>
+              <a:rPr lang="en-US" altLang="ja-JP" dirty="0"/>
+              <a:t>However, when using tax data, there is no impact on production, sales, or number of employees. The paper attributes this result to misreporting.</a:t>
+            </a:r>
+          </a:p>
+          <a:p>
+            <a:r>
+              <a:rPr kumimoji="1" lang="en-US" altLang="ja-JP" dirty="0">
+                <a:highlight>
+                  <a:srgbClr val="FFFF00"/>
+                </a:highlight>
+              </a:rPr>
+              <a:t>Sidetrack</a:t>
+            </a:r>
+            <a:endParaRPr lang="en-US" altLang="ja-JP" dirty="0">
+              <a:highlight>
+                <a:srgbClr val="FFFF00"/>
+              </a:highlight>
+            </a:endParaRPr>
+          </a:p>
+          <a:p>
+            <a:pPr lvl="1"/>
+            <a:r>
+              <a:rPr kumimoji="1" lang="en-US" altLang="ja-JP" dirty="0">
+                <a:highlight>
+                  <a:srgbClr val="FFFF00"/>
+                </a:highlight>
+              </a:rPr>
+              <a:t>There is also a profit maximization model on formal VS informal production.</a:t>
+            </a:r>
+          </a:p>
+          <a:p>
+            <a:endParaRPr kumimoji="1" lang="ja-JP" altLang="en-US" dirty="0"/>
+          </a:p>
+        </p:txBody>
+      </p:sp>
+      <p:sp>
+        <p:nvSpPr>
+          <p:cNvPr id="4" name="テキスト プレースホルダー 3">
+            <a:extLst>
+              <a:ext uri="{FF2B5EF4-FFF2-40B4-BE49-F238E27FC236}">
+                <a16:creationId xmlns:a16="http://schemas.microsoft.com/office/drawing/2014/main" id="{E8EF1D8D-121F-4836-9C8D-5A3D16E4DD55}"/>
+              </a:ext>
+            </a:extLst>
+          </p:cNvPr>
+          <p:cNvSpPr>
+            <a:spLocks noGrp="1"/>
+          </p:cNvSpPr>
+          <p:nvPr>
+            <p:ph type="body" sz="quarter" idx="14"/>
+          </p:nvPr>
+        </p:nvSpPr>
+        <p:spPr/>
+        <p:txBody>
+          <a:bodyPr/>
+          <a:lstStyle/>
+          <a:p>
+            <a:pPr marL="0" indent="0">
+              <a:buNone/>
+            </a:pPr>
+            <a:r>
               <a:rPr kumimoji="1" lang="en-US" altLang="ja-JP" dirty="0" err="1"/>
               <a:t>Altindag</a:t>
             </a:r>
@@ -5289,70 +5753,7 @@
             </a:r>
           </a:p>
           <a:p>
-            <a:r>
-              <a:rPr kumimoji="1" lang="en-US" altLang="ja-JP" dirty="0"/>
-              <a:t>This </a:t>
-            </a:r>
-            <a:r>
-              <a:rPr lang="en-US" altLang="ja-JP" dirty="0"/>
-              <a:t>paper studies impact of Syrian refugees on Turkish firms.</a:t>
-            </a:r>
-          </a:p>
-          <a:p>
-            <a:r>
-              <a:rPr kumimoji="1" lang="en-US" altLang="ja-JP" dirty="0"/>
-              <a:t>Method: IV-DID (Arabic-speaking population)</a:t>
-            </a:r>
-          </a:p>
-          <a:p>
-            <a:r>
-              <a:rPr lang="en-US" altLang="ja-JP" dirty="0"/>
-              <a:t>Results</a:t>
-            </a:r>
-          </a:p>
-          <a:p>
-            <a:pPr lvl="1"/>
-            <a:r>
-              <a:rPr kumimoji="1" lang="en-US" altLang="ja-JP" dirty="0"/>
-              <a:t>Refugees increase firm’s power consumption.</a:t>
-            </a:r>
-          </a:p>
-          <a:p>
-            <a:pPr lvl="1"/>
-            <a:r>
-              <a:rPr lang="en-US" altLang="ja-JP" dirty="0"/>
-              <a:t>However, when using tax data, there is no impact on production, sales, or number of employees. The paper attributes this result to misreporting.</a:t>
-            </a:r>
-          </a:p>
-          <a:p>
-            <a:r>
-              <a:rPr kumimoji="1" lang="en-US" altLang="ja-JP" dirty="0"/>
-              <a:t>Sidetrack</a:t>
-            </a:r>
-            <a:endParaRPr lang="en-US" altLang="ja-JP" dirty="0"/>
-          </a:p>
-          <a:p>
-            <a:pPr lvl="1"/>
-            <a:r>
-              <a:rPr kumimoji="1" lang="en-US" altLang="ja-JP" dirty="0"/>
-              <a:t>There is also a </a:t>
-            </a:r>
-            <a:r>
-              <a:rPr kumimoji="1" lang="en-US" altLang="ja-JP"/>
-              <a:t>profit maximization model on formal </a:t>
-            </a:r>
-            <a:r>
-              <a:rPr kumimoji="1" lang="en-US" altLang="ja-JP" dirty="0"/>
-              <a:t>VS </a:t>
-            </a:r>
-            <a:r>
-              <a:rPr kumimoji="1" lang="en-US" altLang="ja-JP"/>
-              <a:t>informal production.</a:t>
-            </a:r>
-            <a:endParaRPr kumimoji="1" lang="en-US" altLang="ja-JP" dirty="0"/>
-          </a:p>
-          <a:p>
-            <a:endParaRPr kumimoji="1" lang="ja-JP" altLang="en-US" dirty="0"/>
+            <a:endParaRPr lang="ja-JP" altLang="en-US" dirty="0"/>
           </a:p>
         </p:txBody>
       </p:sp>
@@ -5360,6 +5761,474 @@
     <p:extLst>
       <p:ext uri="{BB962C8B-B14F-4D97-AF65-F5344CB8AC3E}">
         <p14:creationId xmlns:p14="http://schemas.microsoft.com/office/powerpoint/2010/main" val="517939512"/>
+      </p:ext>
+    </p:extLst>
+  </p:cSld>
+  <p:clrMapOvr>
+    <a:masterClrMapping/>
+  </p:clrMapOvr>
+</p:sld>
+</file>
+
+<file path=ppt/slides/slide5.xml><?xml version="1.0" encoding="utf-8"?>
+<p:sld xmlns:a="http://schemas.openxmlformats.org/drawingml/2006/main" xmlns:r="http://schemas.openxmlformats.org/officeDocument/2006/relationships" xmlns:p="http://schemas.openxmlformats.org/presentationml/2006/main">
+  <p:cSld>
+    <p:spTree>
+      <p:nvGrpSpPr>
+        <p:cNvPr id="1" name=""/>
+        <p:cNvGrpSpPr/>
+        <p:nvPr/>
+      </p:nvGrpSpPr>
+      <p:grpSpPr>
+        <a:xfrm>
+          <a:off x="0" y="0"/>
+          <a:ext cx="0" cy="0"/>
+          <a:chOff x="0" y="0"/>
+          <a:chExt cx="0" cy="0"/>
+        </a:xfrm>
+      </p:grpSpPr>
+      <p:sp>
+        <p:nvSpPr>
+          <p:cNvPr id="2" name="タイトル 1">
+            <a:extLst>
+              <a:ext uri="{FF2B5EF4-FFF2-40B4-BE49-F238E27FC236}">
+                <a16:creationId xmlns:a16="http://schemas.microsoft.com/office/drawing/2014/main" id="{103E7F86-B554-4A0A-8770-142CCDC23CA7}"/>
+              </a:ext>
+            </a:extLst>
+          </p:cNvPr>
+          <p:cNvSpPr>
+            <a:spLocks noGrp="1"/>
+          </p:cNvSpPr>
+          <p:nvPr>
+            <p:ph type="title"/>
+          </p:nvPr>
+        </p:nvSpPr>
+        <p:spPr/>
+        <p:txBody>
+          <a:bodyPr>
+            <a:normAutofit fontScale="90000"/>
+          </a:bodyPr>
+          <a:lstStyle/>
+          <a:p>
+            <a:r>
+              <a:rPr kumimoji="1" lang="en-US" altLang="ja-JP" sz="3200" dirty="0"/>
+              <a:t>Crime against Morality: Unintended Consequences of Criminalizing Sex Work</a:t>
+            </a:r>
+            <a:endParaRPr kumimoji="1" lang="ja-JP" altLang="en-US" sz="3200" dirty="0"/>
+          </a:p>
+        </p:txBody>
+      </p:sp>
+      <p:sp>
+        <p:nvSpPr>
+          <p:cNvPr id="3" name="コンテンツ プレースホルダー 2">
+            <a:extLst>
+              <a:ext uri="{FF2B5EF4-FFF2-40B4-BE49-F238E27FC236}">
+                <a16:creationId xmlns:a16="http://schemas.microsoft.com/office/drawing/2014/main" id="{379F10C9-CFE5-411C-BE57-DAEA1E8A8829}"/>
+              </a:ext>
+            </a:extLst>
+          </p:cNvPr>
+          <p:cNvSpPr>
+            <a:spLocks noGrp="1"/>
+          </p:cNvSpPr>
+          <p:nvPr>
+            <p:ph sz="quarter" idx="13"/>
+          </p:nvPr>
+        </p:nvSpPr>
+        <p:spPr/>
+        <p:txBody>
+          <a:bodyPr>
+            <a:normAutofit/>
+          </a:bodyPr>
+          <a:lstStyle/>
+          <a:p>
+            <a:r>
+              <a:rPr lang="en-US" altLang="ja-JP" dirty="0"/>
+              <a:t>RQ: What is the impact of criminalizing sex work.</a:t>
+            </a:r>
+          </a:p>
+          <a:p>
+            <a:r>
+              <a:rPr kumimoji="1" lang="en-US" altLang="ja-JP" dirty="0"/>
+              <a:t>Method: Natural experiment when one district in Indonesia unexpectedly criminalized sex work + DID</a:t>
+            </a:r>
+          </a:p>
+          <a:p>
+            <a:r>
+              <a:rPr lang="en-US" altLang="ja-JP" dirty="0"/>
+              <a:t>Results</a:t>
+            </a:r>
+          </a:p>
+          <a:p>
+            <a:pPr lvl="1"/>
+            <a:r>
+              <a:rPr kumimoji="1" lang="en-US" altLang="ja-JP" dirty="0"/>
+              <a:t>STI increases among sex workers by 58%</a:t>
+            </a:r>
+          </a:p>
+          <a:p>
+            <a:pPr lvl="1"/>
+            <a:r>
+              <a:rPr lang="en-US" altLang="ja-JP" dirty="0"/>
+              <a:t>Female sex workers who left the industry end up with lower earnings.</a:t>
+            </a:r>
+          </a:p>
+          <a:p>
+            <a:pPr lvl="1"/>
+            <a:r>
+              <a:rPr kumimoji="1" lang="en-US" altLang="ja-JP" dirty="0"/>
+              <a:t>The </a:t>
+            </a:r>
+            <a:r>
+              <a:rPr lang="en-US" altLang="ja-JP" dirty="0"/>
+              <a:t>sex market shrinks in the short run but rebounds after 5 years.</a:t>
+            </a:r>
+          </a:p>
+          <a:p>
+            <a:pPr lvl="1"/>
+            <a:r>
+              <a:rPr lang="en-US" altLang="ja-JP" dirty="0"/>
+              <a:t>STI increases among the general population.</a:t>
+            </a:r>
+          </a:p>
+          <a:p>
+            <a:pPr lvl="1"/>
+            <a:endParaRPr kumimoji="1" lang="ja-JP" altLang="en-US" dirty="0"/>
+          </a:p>
+        </p:txBody>
+      </p:sp>
+      <p:sp>
+        <p:nvSpPr>
+          <p:cNvPr id="4" name="テキスト プレースホルダー 3">
+            <a:extLst>
+              <a:ext uri="{FF2B5EF4-FFF2-40B4-BE49-F238E27FC236}">
+                <a16:creationId xmlns:a16="http://schemas.microsoft.com/office/drawing/2014/main" id="{874A6CFE-7F45-4EBE-B472-4724986ACDD1}"/>
+              </a:ext>
+            </a:extLst>
+          </p:cNvPr>
+          <p:cNvSpPr>
+            <a:spLocks noGrp="1"/>
+          </p:cNvSpPr>
+          <p:nvPr>
+            <p:ph type="body" sz="quarter" idx="14"/>
+          </p:nvPr>
+        </p:nvSpPr>
+        <p:spPr/>
+        <p:txBody>
+          <a:bodyPr/>
+          <a:lstStyle/>
+          <a:p>
+            <a:pPr marL="0" indent="0">
+              <a:buNone/>
+            </a:pPr>
+            <a:r>
+              <a:rPr kumimoji="1" lang="en-US" altLang="ja-JP" dirty="0"/>
+              <a:t>Cameron et al. (2020), QJE</a:t>
+            </a:r>
+          </a:p>
+          <a:p>
+            <a:endParaRPr lang="ja-JP" altLang="en-US" dirty="0"/>
+          </a:p>
+        </p:txBody>
+      </p:sp>
+    </p:spTree>
+    <p:extLst>
+      <p:ext uri="{BB962C8B-B14F-4D97-AF65-F5344CB8AC3E}">
+        <p14:creationId xmlns:p14="http://schemas.microsoft.com/office/powerpoint/2010/main" val="1989545775"/>
+      </p:ext>
+    </p:extLst>
+  </p:cSld>
+  <p:clrMapOvr>
+    <a:masterClrMapping/>
+  </p:clrMapOvr>
+</p:sld>
+</file>
+
+<file path=ppt/slides/slide6.xml><?xml version="1.0" encoding="utf-8"?>
+<p:sld xmlns:a="http://schemas.openxmlformats.org/drawingml/2006/main" xmlns:r="http://schemas.openxmlformats.org/officeDocument/2006/relationships" xmlns:p="http://schemas.openxmlformats.org/presentationml/2006/main">
+  <p:cSld>
+    <p:spTree>
+      <p:nvGrpSpPr>
+        <p:cNvPr id="1" name=""/>
+        <p:cNvGrpSpPr/>
+        <p:nvPr/>
+      </p:nvGrpSpPr>
+      <p:grpSpPr>
+        <a:xfrm>
+          <a:off x="0" y="0"/>
+          <a:ext cx="0" cy="0"/>
+          <a:chOff x="0" y="0"/>
+          <a:chExt cx="0" cy="0"/>
+        </a:xfrm>
+      </p:grpSpPr>
+      <p:sp>
+        <p:nvSpPr>
+          <p:cNvPr id="4" name="タイトル 3">
+            <a:extLst>
+              <a:ext uri="{FF2B5EF4-FFF2-40B4-BE49-F238E27FC236}">
+                <a16:creationId xmlns:a16="http://schemas.microsoft.com/office/drawing/2014/main" id="{7F2119C5-8657-47BE-8C30-0592BA3F41C8}"/>
+              </a:ext>
+            </a:extLst>
+          </p:cNvPr>
+          <p:cNvSpPr>
+            <a:spLocks noGrp="1"/>
+          </p:cNvSpPr>
+          <p:nvPr>
+            <p:ph type="title"/>
+          </p:nvPr>
+        </p:nvSpPr>
+        <p:spPr/>
+        <p:txBody>
+          <a:bodyPr>
+            <a:noAutofit/>
+          </a:bodyPr>
+          <a:lstStyle/>
+          <a:p>
+            <a:r>
+              <a:rPr lang="en-US" altLang="ja-JP" sz="2800" dirty="0"/>
+              <a:t>Why are Some Immigrant Groups More Successful than Others?</a:t>
+            </a:r>
+            <a:endParaRPr lang="ja-JP" altLang="en-US" sz="2800" dirty="0"/>
+          </a:p>
+        </p:txBody>
+      </p:sp>
+      <p:sp>
+        <p:nvSpPr>
+          <p:cNvPr id="5" name="コンテンツ プレースホルダー 4">
+            <a:extLst>
+              <a:ext uri="{FF2B5EF4-FFF2-40B4-BE49-F238E27FC236}">
+                <a16:creationId xmlns:a16="http://schemas.microsoft.com/office/drawing/2014/main" id="{6C64E51B-3421-406B-813A-4075EB4C6963}"/>
+              </a:ext>
+            </a:extLst>
+          </p:cNvPr>
+          <p:cNvSpPr>
+            <a:spLocks noGrp="1"/>
+          </p:cNvSpPr>
+          <p:nvPr>
+            <p:ph sz="quarter" idx="13"/>
+          </p:nvPr>
+        </p:nvSpPr>
+        <p:spPr/>
+        <p:txBody>
+          <a:bodyPr/>
+          <a:lstStyle/>
+          <a:p>
+            <a:r>
+              <a:rPr lang="en-US" altLang="ja-JP" dirty="0"/>
+              <a:t>Method: Cross-country OLS</a:t>
+            </a:r>
+          </a:p>
+          <a:p>
+            <a:r>
+              <a:rPr lang="en-US" altLang="ja-JP" dirty="0"/>
+              <a:t>Results: Education attainment of immigrants depends on </a:t>
+            </a:r>
+          </a:p>
+          <a:p>
+            <a:pPr lvl="1"/>
+            <a:r>
+              <a:rPr lang="en-US" altLang="ja-JP" dirty="0"/>
+              <a:t>number of immigrants at the destination (negative)</a:t>
+            </a:r>
+          </a:p>
+          <a:p>
+            <a:pPr lvl="1"/>
+            <a:r>
+              <a:rPr lang="en-US" altLang="ja-JP" dirty="0"/>
+              <a:t>total population of the source country (positive)</a:t>
+            </a:r>
+            <a:endParaRPr lang="ja-JP" altLang="en-US" dirty="0"/>
+          </a:p>
+        </p:txBody>
+      </p:sp>
+      <p:sp>
+        <p:nvSpPr>
+          <p:cNvPr id="6" name="テキスト プレースホルダー 5">
+            <a:extLst>
+              <a:ext uri="{FF2B5EF4-FFF2-40B4-BE49-F238E27FC236}">
+                <a16:creationId xmlns:a16="http://schemas.microsoft.com/office/drawing/2014/main" id="{2DBA4155-A3A1-46C0-ACDC-37B2473BDC9E}"/>
+              </a:ext>
+            </a:extLst>
+          </p:cNvPr>
+          <p:cNvSpPr>
+            <a:spLocks noGrp="1"/>
+          </p:cNvSpPr>
+          <p:nvPr>
+            <p:ph type="body" sz="quarter" idx="14"/>
+          </p:nvPr>
+        </p:nvSpPr>
+        <p:spPr/>
+        <p:txBody>
+          <a:bodyPr/>
+          <a:lstStyle/>
+          <a:p>
+            <a:r>
+              <a:rPr lang="en-US" altLang="ja-JP" dirty="0"/>
+              <a:t>Lazear (2021), JLE</a:t>
+            </a:r>
+            <a:endParaRPr lang="ja-JP" altLang="en-US" dirty="0"/>
+          </a:p>
+        </p:txBody>
+      </p:sp>
+    </p:spTree>
+    <p:extLst>
+      <p:ext uri="{BB962C8B-B14F-4D97-AF65-F5344CB8AC3E}">
+        <p14:creationId xmlns:p14="http://schemas.microsoft.com/office/powerpoint/2010/main" val="2647538328"/>
+      </p:ext>
+    </p:extLst>
+  </p:cSld>
+  <p:clrMapOvr>
+    <a:masterClrMapping/>
+  </p:clrMapOvr>
+</p:sld>
+</file>
+
+<file path=ppt/slides/slide7.xml><?xml version="1.0" encoding="utf-8"?>
+<p:sld xmlns:a="http://schemas.openxmlformats.org/drawingml/2006/main" xmlns:r="http://schemas.openxmlformats.org/officeDocument/2006/relationships" xmlns:p="http://schemas.openxmlformats.org/presentationml/2006/main">
+  <p:cSld>
+    <p:spTree>
+      <p:nvGrpSpPr>
+        <p:cNvPr id="1" name=""/>
+        <p:cNvGrpSpPr/>
+        <p:nvPr/>
+      </p:nvGrpSpPr>
+      <p:grpSpPr>
+        <a:xfrm>
+          <a:off x="0" y="0"/>
+          <a:ext cx="0" cy="0"/>
+          <a:chOff x="0" y="0"/>
+          <a:chExt cx="0" cy="0"/>
+        </a:xfrm>
+      </p:grpSpPr>
+      <p:sp>
+        <p:nvSpPr>
+          <p:cNvPr id="2" name="タイトル 1">
+            <a:extLst>
+              <a:ext uri="{FF2B5EF4-FFF2-40B4-BE49-F238E27FC236}">
+                <a16:creationId xmlns:a16="http://schemas.microsoft.com/office/drawing/2014/main" id="{FD7B7B00-0BAF-4214-AB1B-D370D6C42C86}"/>
+              </a:ext>
+            </a:extLst>
+          </p:cNvPr>
+          <p:cNvSpPr>
+            <a:spLocks noGrp="1"/>
+          </p:cNvSpPr>
+          <p:nvPr>
+            <p:ph type="title"/>
+          </p:nvPr>
+        </p:nvSpPr>
+        <p:spPr/>
+        <p:txBody>
+          <a:bodyPr>
+            <a:normAutofit fontScale="90000"/>
+          </a:bodyPr>
+          <a:lstStyle/>
+          <a:p>
+            <a:r>
+              <a:rPr kumimoji="1" lang="en-US" altLang="ja-JP" dirty="0"/>
+              <a:t>The Use and Misuse of Income Data and Extreme Poverty in the United States</a:t>
+            </a:r>
+            <a:endParaRPr kumimoji="1" lang="ja-JP" altLang="en-US" dirty="0"/>
+          </a:p>
+        </p:txBody>
+      </p:sp>
+      <p:sp>
+        <p:nvSpPr>
+          <p:cNvPr id="3" name="コンテンツ プレースホルダー 2">
+            <a:extLst>
+              <a:ext uri="{FF2B5EF4-FFF2-40B4-BE49-F238E27FC236}">
+                <a16:creationId xmlns:a16="http://schemas.microsoft.com/office/drawing/2014/main" id="{337B35C6-2D69-453C-8C45-3D008CBE82B8}"/>
+              </a:ext>
+            </a:extLst>
+          </p:cNvPr>
+          <p:cNvSpPr>
+            <a:spLocks noGrp="1"/>
+          </p:cNvSpPr>
+          <p:nvPr>
+            <p:ph sz="quarter" idx="13"/>
+          </p:nvPr>
+        </p:nvSpPr>
+        <p:spPr/>
+        <p:txBody>
+          <a:bodyPr/>
+          <a:lstStyle/>
+          <a:p>
+            <a:r>
+              <a:rPr kumimoji="1" lang="en-US" altLang="ja-JP" dirty="0"/>
+              <a:t>This paper adjusts the measure of household </a:t>
+            </a:r>
+            <a:r>
+              <a:rPr kumimoji="1" lang="en-US" altLang="ja-JP" u="sng" dirty="0"/>
+              <a:t>cash income </a:t>
+            </a:r>
+            <a:r>
+              <a:rPr kumimoji="1" lang="en-US" altLang="ja-JP" dirty="0"/>
+              <a:t>by accounting for transfers and other household assets.</a:t>
+            </a:r>
+          </a:p>
+          <a:p>
+            <a:r>
+              <a:rPr lang="en-US" altLang="ja-JP" dirty="0"/>
+              <a:t>It finds that not as many households are living in extreme poverty as suggested from the traditional measure.</a:t>
+            </a:r>
+          </a:p>
+          <a:p>
+            <a:pPr lvl="1"/>
+            <a:r>
+              <a:rPr kumimoji="1" lang="en-US" altLang="ja-JP" dirty="0">
+                <a:highlight>
+                  <a:srgbClr val="FFFF00"/>
+                </a:highlight>
+              </a:rPr>
+              <a:t>90% of </a:t>
+            </a:r>
+            <a:r>
+              <a:rPr lang="en-US" altLang="ja-JP" dirty="0">
+                <a:highlight>
+                  <a:srgbClr val="FFFF00"/>
+                </a:highlight>
+              </a:rPr>
+              <a:t>households living in extreme poverty are actually middle income.</a:t>
+            </a:r>
+            <a:endParaRPr kumimoji="1" lang="ja-JP" altLang="en-US" dirty="0">
+              <a:highlight>
+                <a:srgbClr val="FFFF00"/>
+              </a:highlight>
+            </a:endParaRPr>
+          </a:p>
+        </p:txBody>
+      </p:sp>
+      <p:sp>
+        <p:nvSpPr>
+          <p:cNvPr id="4" name="テキスト プレースホルダー 3">
+            <a:extLst>
+              <a:ext uri="{FF2B5EF4-FFF2-40B4-BE49-F238E27FC236}">
+                <a16:creationId xmlns:a16="http://schemas.microsoft.com/office/drawing/2014/main" id="{BCA49665-8866-44E9-8DA9-EA816E89B921}"/>
+              </a:ext>
+            </a:extLst>
+          </p:cNvPr>
+          <p:cNvSpPr>
+            <a:spLocks noGrp="1"/>
+          </p:cNvSpPr>
+          <p:nvPr>
+            <p:ph type="body" sz="quarter" idx="14"/>
+          </p:nvPr>
+        </p:nvSpPr>
+        <p:spPr/>
+        <p:txBody>
+          <a:bodyPr/>
+          <a:lstStyle/>
+          <a:p>
+            <a:r>
+              <a:rPr kumimoji="1" lang="en-US" altLang="ja-JP" dirty="0"/>
+              <a:t>Meyer et al. (2020), JLE</a:t>
+            </a:r>
+            <a:endParaRPr kumimoji="1" lang="ja-JP" altLang="en-US" dirty="0"/>
+          </a:p>
+        </p:txBody>
+      </p:sp>
+    </p:spTree>
+    <p:extLst>
+      <p:ext uri="{BB962C8B-B14F-4D97-AF65-F5344CB8AC3E}">
+        <p14:creationId xmlns:p14="http://schemas.microsoft.com/office/powerpoint/2010/main" val="81259793"/>
       </p:ext>
     </p:extLst>
   </p:cSld>
